--- a/Documentação/Pesquisa e Inovação/Solução Técnica/solução técnica.pptx
+++ b/Documentação/Pesquisa e Inovação/Solução Técnica/solução técnica.pptx
@@ -259,7 +259,7 @@
           <a:p>
             <a:fld id="{CE287315-D1CA-4A5F-ADDA-99A6C3257D47}" type="datetimeFigureOut">
               <a:rPr lang="pt-BR" smtClean="0"/>
-              <a:t>28/11/2021</a:t>
+              <a:t>01/12/2021</a:t>
             </a:fld>
             <a:endParaRPr lang="pt-BR"/>
           </a:p>
@@ -457,7 +457,7 @@
           <a:p>
             <a:fld id="{CE287315-D1CA-4A5F-ADDA-99A6C3257D47}" type="datetimeFigureOut">
               <a:rPr lang="pt-BR" smtClean="0"/>
-              <a:t>28/11/2021</a:t>
+              <a:t>01/12/2021</a:t>
             </a:fld>
             <a:endParaRPr lang="pt-BR"/>
           </a:p>
@@ -665,7 +665,7 @@
           <a:p>
             <a:fld id="{CE287315-D1CA-4A5F-ADDA-99A6C3257D47}" type="datetimeFigureOut">
               <a:rPr lang="pt-BR" smtClean="0"/>
-              <a:t>28/11/2021</a:t>
+              <a:t>01/12/2021</a:t>
             </a:fld>
             <a:endParaRPr lang="pt-BR"/>
           </a:p>
@@ -863,7 +863,7 @@
           <a:p>
             <a:fld id="{CE287315-D1CA-4A5F-ADDA-99A6C3257D47}" type="datetimeFigureOut">
               <a:rPr lang="pt-BR" smtClean="0"/>
-              <a:t>28/11/2021</a:t>
+              <a:t>01/12/2021</a:t>
             </a:fld>
             <a:endParaRPr lang="pt-BR"/>
           </a:p>
@@ -1138,7 +1138,7 @@
           <a:p>
             <a:fld id="{CE287315-D1CA-4A5F-ADDA-99A6C3257D47}" type="datetimeFigureOut">
               <a:rPr lang="pt-BR" smtClean="0"/>
-              <a:t>28/11/2021</a:t>
+              <a:t>01/12/2021</a:t>
             </a:fld>
             <a:endParaRPr lang="pt-BR"/>
           </a:p>
@@ -1403,7 +1403,7 @@
           <a:p>
             <a:fld id="{CE287315-D1CA-4A5F-ADDA-99A6C3257D47}" type="datetimeFigureOut">
               <a:rPr lang="pt-BR" smtClean="0"/>
-              <a:t>28/11/2021</a:t>
+              <a:t>01/12/2021</a:t>
             </a:fld>
             <a:endParaRPr lang="pt-BR"/>
           </a:p>
@@ -1815,7 +1815,7 @@
           <a:p>
             <a:fld id="{CE287315-D1CA-4A5F-ADDA-99A6C3257D47}" type="datetimeFigureOut">
               <a:rPr lang="pt-BR" smtClean="0"/>
-              <a:t>28/11/2021</a:t>
+              <a:t>01/12/2021</a:t>
             </a:fld>
             <a:endParaRPr lang="pt-BR"/>
           </a:p>
@@ -1956,7 +1956,7 @@
           <a:p>
             <a:fld id="{CE287315-D1CA-4A5F-ADDA-99A6C3257D47}" type="datetimeFigureOut">
               <a:rPr lang="pt-BR" smtClean="0"/>
-              <a:t>28/11/2021</a:t>
+              <a:t>01/12/2021</a:t>
             </a:fld>
             <a:endParaRPr lang="pt-BR"/>
           </a:p>
@@ -2069,7 +2069,7 @@
           <a:p>
             <a:fld id="{CE287315-D1CA-4A5F-ADDA-99A6C3257D47}" type="datetimeFigureOut">
               <a:rPr lang="pt-BR" smtClean="0"/>
-              <a:t>28/11/2021</a:t>
+              <a:t>01/12/2021</a:t>
             </a:fld>
             <a:endParaRPr lang="pt-BR"/>
           </a:p>
@@ -2380,7 +2380,7 @@
           <a:p>
             <a:fld id="{CE287315-D1CA-4A5F-ADDA-99A6C3257D47}" type="datetimeFigureOut">
               <a:rPr lang="pt-BR" smtClean="0"/>
-              <a:t>28/11/2021</a:t>
+              <a:t>01/12/2021</a:t>
             </a:fld>
             <a:endParaRPr lang="pt-BR"/>
           </a:p>
@@ -2668,7 +2668,7 @@
           <a:p>
             <a:fld id="{CE287315-D1CA-4A5F-ADDA-99A6C3257D47}" type="datetimeFigureOut">
               <a:rPr lang="pt-BR" smtClean="0"/>
-              <a:t>28/11/2021</a:t>
+              <a:t>01/12/2021</a:t>
             </a:fld>
             <a:endParaRPr lang="pt-BR"/>
           </a:p>
@@ -2909,7 +2909,7 @@
           <a:p>
             <a:fld id="{CE287315-D1CA-4A5F-ADDA-99A6C3257D47}" type="datetimeFigureOut">
               <a:rPr lang="pt-BR" smtClean="0"/>
-              <a:t>28/11/2021</a:t>
+              <a:t>01/12/2021</a:t>
             </a:fld>
             <a:endParaRPr lang="pt-BR"/>
           </a:p>
@@ -3340,8 +3340,8 @@
         </p:nvSpPr>
         <p:spPr>
           <a:xfrm>
-            <a:off x="683581" y="847290"/>
-            <a:ext cx="5098954" cy="2810311"/>
+            <a:off x="238049" y="704165"/>
+            <a:ext cx="9094303" cy="3393816"/>
           </a:xfrm>
           <a:prstGeom prst="cloud">
             <a:avLst/>
@@ -3419,44 +3419,8 @@
         </p:blipFill>
         <p:spPr>
           <a:xfrm>
-            <a:off x="2721622" y="1211079"/>
-            <a:ext cx="846218" cy="506574"/>
-          </a:xfrm>
-          <a:prstGeom prst="rect">
-            <a:avLst/>
-          </a:prstGeom>
-        </p:spPr>
-      </p:pic>
-      <p:pic>
-        <p:nvPicPr>
-          <p:cNvPr id="10" name="Imagem 9" descr="Logotipo&#10;&#10;Descrição gerada automaticamente com confiança média">
-            <a:extLst>
-              <a:ext uri="{FF2B5EF4-FFF2-40B4-BE49-F238E27FC236}">
-                <a16:creationId xmlns:a16="http://schemas.microsoft.com/office/drawing/2014/main" id="{D20C45D1-650E-4E90-B2CD-D9CC3195AC08}"/>
-              </a:ext>
-            </a:extLst>
-          </p:cNvPr>
-          <p:cNvPicPr>
-            <a:picLocks noChangeAspect="1"/>
-          </p:cNvPicPr>
-          <p:nvPr/>
-        </p:nvPicPr>
-        <p:blipFill>
-          <a:blip r:embed="rId3">
-            <a:extLst>
-              <a:ext uri="{28A0092B-C50C-407E-A947-70E740481C1C}">
-                <a14:useLocalDpi xmlns:a14="http://schemas.microsoft.com/office/drawing/2010/main" val="0"/>
-              </a:ext>
-            </a:extLst>
-          </a:blip>
-          <a:stretch>
-            <a:fillRect/>
-          </a:stretch>
-        </p:blipFill>
-        <p:spPr>
-          <a:xfrm>
-            <a:off x="8324279" y="1231125"/>
-            <a:ext cx="1273575" cy="368275"/>
+            <a:off x="9542014" y="454787"/>
+            <a:ext cx="577870" cy="345932"/>
           </a:xfrm>
           <a:prstGeom prst="rect">
             <a:avLst/>
@@ -3478,11 +3442,11 @@
           <p:nvPr/>
         </p:nvPicPr>
         <p:blipFill>
-          <a:blip r:embed="rId4">
+          <a:blip r:embed="rId3">
             <a:extLst>
               <a:ext uri="{BEBA8EAE-BF5A-486C-A8C5-ECC9F3942E4B}">
                 <a14:imgProps xmlns:a14="http://schemas.microsoft.com/office/drawing/2010/main">
-                  <a14:imgLayer r:embed="rId5">
+                  <a14:imgLayer r:embed="rId4">
                     <a14:imgEffect>
                       <a14:backgroundRemoval t="4474" b="97368" l="9119" r="89970">
                         <a14:foregroundMark x1="34954" y1="53421" x2="34954" y2="53421"/>
@@ -3503,7 +3467,7 @@
         </p:blipFill>
         <p:spPr>
           <a:xfrm>
-            <a:off x="8737388" y="4119741"/>
+            <a:off x="8784373" y="4103685"/>
             <a:ext cx="2005598" cy="2316496"/>
           </a:xfrm>
           <a:prstGeom prst="rect">
@@ -3511,12 +3475,126 @@
           </a:prstGeom>
         </p:spPr>
       </p:pic>
+      <p:pic>
+        <p:nvPicPr>
+          <p:cNvPr id="18" name="Imagem 17" descr="Ícone&#10;&#10;Descrição gerada automaticamente">
+            <a:extLst>
+              <a:ext uri="{FF2B5EF4-FFF2-40B4-BE49-F238E27FC236}">
+                <a16:creationId xmlns:a16="http://schemas.microsoft.com/office/drawing/2014/main" id="{CA3DC2A7-D230-4E30-9A69-3404A8AAA0A3}"/>
+              </a:ext>
+            </a:extLst>
+          </p:cNvPr>
+          <p:cNvPicPr>
+            <a:picLocks noChangeAspect="1"/>
+          </p:cNvPicPr>
+          <p:nvPr/>
+        </p:nvPicPr>
+        <p:blipFill>
+          <a:blip r:embed="rId5">
+            <a:extLst>
+              <a:ext uri="{28A0092B-C50C-407E-A947-70E740481C1C}">
+                <a14:useLocalDpi xmlns:a14="http://schemas.microsoft.com/office/drawing/2010/main" val="0"/>
+              </a:ext>
+            </a:extLst>
+          </a:blip>
+          <a:stretch>
+            <a:fillRect/>
+          </a:stretch>
+        </p:blipFill>
+        <p:spPr>
+          <a:xfrm>
+            <a:off x="2907934" y="1968006"/>
+            <a:ext cx="1072926" cy="1072926"/>
+          </a:xfrm>
+          <a:prstGeom prst="rect">
+            <a:avLst/>
+          </a:prstGeom>
+        </p:spPr>
+      </p:pic>
+      <p:pic>
+        <p:nvPicPr>
+          <p:cNvPr id="12" name="Imagem 11" descr="Logotipo, Ícone&#10;&#10;Descrição gerada automaticamente">
+            <a:extLst>
+              <a:ext uri="{FF2B5EF4-FFF2-40B4-BE49-F238E27FC236}">
+                <a16:creationId xmlns:a16="http://schemas.microsoft.com/office/drawing/2014/main" id="{37D1FE65-7C9A-4DD2-8E8C-6473D9787D9F}"/>
+              </a:ext>
+            </a:extLst>
+          </p:cNvPr>
+          <p:cNvPicPr>
+            <a:picLocks noChangeAspect="1"/>
+          </p:cNvPicPr>
+          <p:nvPr/>
+        </p:nvPicPr>
+        <p:blipFill>
+          <a:blip r:embed="rId6">
+            <a:extLst>
+              <a:ext uri="{28A0092B-C50C-407E-A947-70E740481C1C}">
+                <a14:useLocalDpi xmlns:a14="http://schemas.microsoft.com/office/drawing/2010/main" val="0"/>
+              </a:ext>
+            </a:extLst>
+          </a:blip>
+          <a:stretch>
+            <a:fillRect/>
+          </a:stretch>
+        </p:blipFill>
+        <p:spPr>
+          <a:xfrm>
+            <a:off x="2380265" y="2069782"/>
+            <a:ext cx="466246" cy="529189"/>
+          </a:xfrm>
+          <a:prstGeom prst="rect">
+            <a:avLst/>
+          </a:prstGeom>
+        </p:spPr>
+      </p:pic>
+      <p:sp>
+        <p:nvSpPr>
+          <p:cNvPr id="33" name="CaixaDeTexto 32">
+            <a:extLst>
+              <a:ext uri="{FF2B5EF4-FFF2-40B4-BE49-F238E27FC236}">
+                <a16:creationId xmlns:a16="http://schemas.microsoft.com/office/drawing/2014/main" id="{E4E560CA-B896-4A0F-BB37-66CD78FD93CB}"/>
+              </a:ext>
+            </a:extLst>
+          </p:cNvPr>
+          <p:cNvSpPr txBox="1"/>
+          <p:nvPr/>
+        </p:nvSpPr>
+        <p:spPr>
+          <a:xfrm>
+            <a:off x="2368770" y="2613809"/>
+            <a:ext cx="489236" cy="276999"/>
+          </a:xfrm>
+          <a:prstGeom prst="rect">
+            <a:avLst/>
+          </a:prstGeom>
+          <a:noFill/>
+        </p:spPr>
+        <p:txBody>
+          <a:bodyPr wrap="none" rtlCol="0">
+            <a:spAutoFit/>
+          </a:bodyPr>
+          <a:lstStyle/>
+          <a:p>
+            <a:r>
+              <a:rPr lang="pt-BR" sz="1200" b="1" dirty="0">
+                <a:latin typeface="Poppins Medium" panose="00000600000000000000" pitchFamily="2" charset="0"/>
+                <a:cs typeface="Poppins Medium" panose="00000600000000000000" pitchFamily="2" charset="0"/>
+              </a:rPr>
+              <a:t>CSS</a:t>
+            </a:r>
+            <a:endParaRPr lang="pt-BR" b="1" dirty="0">
+              <a:latin typeface="Poppins Medium" panose="00000600000000000000" pitchFamily="2" charset="0"/>
+              <a:cs typeface="Poppins Medium" panose="00000600000000000000" pitchFamily="2" charset="0"/>
+            </a:endParaRPr>
+          </a:p>
+        </p:txBody>
+      </p:sp>
       <p:grpSp>
         <p:nvGrpSpPr>
-          <p:cNvPr id="45" name="Agrupar 44">
-            <a:extLst>
-              <a:ext uri="{FF2B5EF4-FFF2-40B4-BE49-F238E27FC236}">
-                <a16:creationId xmlns:a16="http://schemas.microsoft.com/office/drawing/2014/main" id="{F5CBBF07-93CE-411B-85A5-7D460BAE170B}"/>
+          <p:cNvPr id="41" name="Agrupar 40">
+            <a:extLst>
+              <a:ext uri="{FF2B5EF4-FFF2-40B4-BE49-F238E27FC236}">
+                <a16:creationId xmlns:a16="http://schemas.microsoft.com/office/drawing/2014/main" id="{AF614413-4D67-4353-B20E-2DA0C0C35510}"/>
               </a:ext>
             </a:extLst>
           </p:cNvPr>
@@ -3525,18 +3603,18 @@
         </p:nvGrpSpPr>
         <p:grpSpPr>
           <a:xfrm>
-            <a:off x="1342158" y="1870738"/>
-            <a:ext cx="2494626" cy="1091370"/>
-            <a:chOff x="1846555" y="1126919"/>
-            <a:chExt cx="2494626" cy="1091370"/>
+            <a:off x="1593517" y="2041404"/>
+            <a:ext cx="596579" cy="852354"/>
+            <a:chOff x="4499204" y="5893719"/>
+            <a:chExt cx="596579" cy="852354"/>
           </a:xfrm>
         </p:grpSpPr>
         <p:pic>
           <p:nvPicPr>
-            <p:cNvPr id="18" name="Imagem 17" descr="Ícone&#10;&#10;Descrição gerada automaticamente">
+            <p:cNvPr id="14" name="Imagem 13" descr="Logotipo, Ícone&#10;&#10;Descrição gerada automaticamente">
               <a:extLst>
                 <a:ext uri="{FF2B5EF4-FFF2-40B4-BE49-F238E27FC236}">
-                  <a16:creationId xmlns:a16="http://schemas.microsoft.com/office/drawing/2014/main" id="{CA3DC2A7-D230-4E30-9A69-3404A8AAA0A3}"/>
+                  <a16:creationId xmlns:a16="http://schemas.microsoft.com/office/drawing/2014/main" id="{797909D8-1EAA-4446-86BD-1A8A771D6BEE}"/>
                 </a:ext>
               </a:extLst>
             </p:cNvPr>
@@ -3546,7 +3624,7 @@
             <p:nvPr/>
           </p:nvPicPr>
           <p:blipFill>
-            <a:blip r:embed="rId6">
+            <a:blip r:embed="rId7">
               <a:extLst>
                 <a:ext uri="{28A0092B-C50C-407E-A947-70E740481C1C}">
                   <a14:useLocalDpi xmlns:a14="http://schemas.microsoft.com/office/drawing/2010/main" val="0"/>
@@ -3559,272 +3637,63 @@
           </p:blipFill>
           <p:spPr>
             <a:xfrm>
-              <a:off x="3226019" y="1145363"/>
-              <a:ext cx="1072926" cy="1072926"/>
+              <a:off x="4499204" y="5893719"/>
+              <a:ext cx="596579" cy="596579"/>
             </a:xfrm>
             <a:prstGeom prst="rect">
               <a:avLst/>
             </a:prstGeom>
           </p:spPr>
         </p:pic>
-        <p:grpSp>
-          <p:nvGrpSpPr>
-            <p:cNvPr id="42" name="Agrupar 41">
+        <p:sp>
+          <p:nvSpPr>
+            <p:cNvPr id="34" name="CaixaDeTexto 33">
               <a:extLst>
                 <a:ext uri="{FF2B5EF4-FFF2-40B4-BE49-F238E27FC236}">
-                  <a16:creationId xmlns:a16="http://schemas.microsoft.com/office/drawing/2014/main" id="{DDC2284E-141B-4757-ACD5-D0203CAF44BC}"/>
+                  <a16:creationId xmlns:a16="http://schemas.microsoft.com/office/drawing/2014/main" id="{35603C44-ECAA-4554-97CA-CD3F4843C5C2}"/>
                 </a:ext>
               </a:extLst>
             </p:cNvPr>
-            <p:cNvGrpSpPr/>
-            <p:nvPr/>
-          </p:nvGrpSpPr>
-          <p:grpSpPr>
-            <a:xfrm>
-              <a:off x="2686855" y="1247139"/>
-              <a:ext cx="489236" cy="821026"/>
-              <a:chOff x="3961427" y="5939161"/>
-              <a:chExt cx="489236" cy="821026"/>
-            </a:xfrm>
-          </p:grpSpPr>
-          <p:pic>
-            <p:nvPicPr>
-              <p:cNvPr id="12" name="Imagem 11" descr="Logotipo, Ícone&#10;&#10;Descrição gerada automaticamente">
-                <a:extLst>
-                  <a:ext uri="{FF2B5EF4-FFF2-40B4-BE49-F238E27FC236}">
-                    <a16:creationId xmlns:a16="http://schemas.microsoft.com/office/drawing/2014/main" id="{37D1FE65-7C9A-4DD2-8E8C-6473D9787D9F}"/>
-                  </a:ext>
-                </a:extLst>
-              </p:cNvPr>
-              <p:cNvPicPr>
-                <a:picLocks noChangeAspect="1"/>
-              </p:cNvPicPr>
-              <p:nvPr/>
-            </p:nvPicPr>
-            <p:blipFill>
-              <a:blip r:embed="rId7">
-                <a:extLst>
-                  <a:ext uri="{28A0092B-C50C-407E-A947-70E740481C1C}">
-                    <a14:useLocalDpi xmlns:a14="http://schemas.microsoft.com/office/drawing/2010/main" val="0"/>
-                  </a:ext>
-                </a:extLst>
-              </a:blip>
-              <a:stretch>
-                <a:fillRect/>
-              </a:stretch>
-            </p:blipFill>
-            <p:spPr>
-              <a:xfrm>
-                <a:off x="3972922" y="5939161"/>
-                <a:ext cx="466246" cy="529189"/>
-              </a:xfrm>
-              <a:prstGeom prst="rect">
-                <a:avLst/>
-              </a:prstGeom>
-            </p:spPr>
-          </p:pic>
-          <p:sp>
-            <p:nvSpPr>
-              <p:cNvPr id="33" name="CaixaDeTexto 32">
-                <a:extLst>
-                  <a:ext uri="{FF2B5EF4-FFF2-40B4-BE49-F238E27FC236}">
-                    <a16:creationId xmlns:a16="http://schemas.microsoft.com/office/drawing/2014/main" id="{E4E560CA-B896-4A0F-BB37-66CD78FD93CB}"/>
-                  </a:ext>
-                </a:extLst>
-              </p:cNvPr>
-              <p:cNvSpPr txBox="1"/>
-              <p:nvPr/>
-            </p:nvSpPr>
-            <p:spPr>
-              <a:xfrm>
-                <a:off x="3961427" y="6483188"/>
-                <a:ext cx="489236" cy="276999"/>
-              </a:xfrm>
-              <a:prstGeom prst="rect">
-                <a:avLst/>
-              </a:prstGeom>
-              <a:noFill/>
-            </p:spPr>
-            <p:txBody>
-              <a:bodyPr wrap="none" rtlCol="0">
-                <a:spAutoFit/>
-              </a:bodyPr>
-              <a:lstStyle/>
-              <a:p>
-                <a:r>
-                  <a:rPr lang="pt-BR" sz="1200" b="1" dirty="0">
-                    <a:latin typeface="Poppins Medium" panose="00000600000000000000" pitchFamily="2" charset="0"/>
-                    <a:cs typeface="Poppins Medium" panose="00000600000000000000" pitchFamily="2" charset="0"/>
-                  </a:rPr>
-                  <a:t>CSS</a:t>
-                </a:r>
-                <a:endParaRPr lang="pt-BR" b="1" dirty="0">
-                  <a:latin typeface="Poppins Medium" panose="00000600000000000000" pitchFamily="2" charset="0"/>
-                  <a:cs typeface="Poppins Medium" panose="00000600000000000000" pitchFamily="2" charset="0"/>
-                </a:endParaRPr>
-              </a:p>
-            </p:txBody>
-          </p:sp>
-        </p:grpSp>
-        <p:grpSp>
-          <p:nvGrpSpPr>
-            <p:cNvPr id="41" name="Agrupar 40">
-              <a:extLst>
-                <a:ext uri="{FF2B5EF4-FFF2-40B4-BE49-F238E27FC236}">
-                  <a16:creationId xmlns:a16="http://schemas.microsoft.com/office/drawing/2014/main" id="{AF614413-4D67-4353-B20E-2DA0C0C35510}"/>
-                </a:ext>
-              </a:extLst>
-            </p:cNvPr>
-            <p:cNvGrpSpPr/>
-            <p:nvPr/>
-          </p:nvGrpSpPr>
-          <p:grpSpPr>
-            <a:xfrm>
-              <a:off x="1911602" y="1218761"/>
-              <a:ext cx="596579" cy="852354"/>
-              <a:chOff x="4499204" y="5893719"/>
-              <a:chExt cx="596579" cy="852354"/>
-            </a:xfrm>
-          </p:grpSpPr>
-          <p:pic>
-            <p:nvPicPr>
-              <p:cNvPr id="14" name="Imagem 13" descr="Logotipo, Ícone&#10;&#10;Descrição gerada automaticamente">
-                <a:extLst>
-                  <a:ext uri="{FF2B5EF4-FFF2-40B4-BE49-F238E27FC236}">
-                    <a16:creationId xmlns:a16="http://schemas.microsoft.com/office/drawing/2014/main" id="{797909D8-1EAA-4446-86BD-1A8A771D6BEE}"/>
-                  </a:ext>
-                </a:extLst>
-              </p:cNvPr>
-              <p:cNvPicPr>
-                <a:picLocks noChangeAspect="1"/>
-              </p:cNvPicPr>
-              <p:nvPr/>
-            </p:nvPicPr>
-            <p:blipFill>
-              <a:blip r:embed="rId8">
-                <a:extLst>
-                  <a:ext uri="{28A0092B-C50C-407E-A947-70E740481C1C}">
-                    <a14:useLocalDpi xmlns:a14="http://schemas.microsoft.com/office/drawing/2010/main" val="0"/>
-                  </a:ext>
-                </a:extLst>
-              </a:blip>
-              <a:stretch>
-                <a:fillRect/>
-              </a:stretch>
-            </p:blipFill>
-            <p:spPr>
-              <a:xfrm>
-                <a:off x="4499204" y="5893719"/>
-                <a:ext cx="596579" cy="596579"/>
-              </a:xfrm>
-              <a:prstGeom prst="rect">
-                <a:avLst/>
-              </a:prstGeom>
-            </p:spPr>
-          </p:pic>
-          <p:sp>
-            <p:nvSpPr>
-              <p:cNvPr id="34" name="CaixaDeTexto 33">
-                <a:extLst>
-                  <a:ext uri="{FF2B5EF4-FFF2-40B4-BE49-F238E27FC236}">
-                    <a16:creationId xmlns:a16="http://schemas.microsoft.com/office/drawing/2014/main" id="{35603C44-ECAA-4554-97CA-CD3F4843C5C2}"/>
-                  </a:ext>
-                </a:extLst>
-              </p:cNvPr>
-              <p:cNvSpPr txBox="1"/>
-              <p:nvPr/>
-            </p:nvSpPr>
-            <p:spPr>
-              <a:xfrm>
-                <a:off x="4508005" y="6469074"/>
-                <a:ext cx="585417" cy="276999"/>
-              </a:xfrm>
-              <a:prstGeom prst="rect">
-                <a:avLst/>
-              </a:prstGeom>
-              <a:noFill/>
-            </p:spPr>
-            <p:txBody>
-              <a:bodyPr wrap="none" rtlCol="0">
-                <a:spAutoFit/>
-              </a:bodyPr>
-              <a:lstStyle/>
-              <a:p>
-                <a:r>
-                  <a:rPr lang="pt-BR" sz="1200" b="1" dirty="0">
-                    <a:latin typeface="Poppins Medium" panose="00000600000000000000" pitchFamily="2" charset="0"/>
-                    <a:cs typeface="Poppins Medium" panose="00000600000000000000" pitchFamily="2" charset="0"/>
-                  </a:rPr>
-                  <a:t>HTML</a:t>
-                </a:r>
-                <a:endParaRPr lang="pt-BR" b="1" dirty="0">
-                  <a:latin typeface="Poppins Medium" panose="00000600000000000000" pitchFamily="2" charset="0"/>
-                  <a:cs typeface="Poppins Medium" panose="00000600000000000000" pitchFamily="2" charset="0"/>
-                </a:endParaRPr>
-              </a:p>
-            </p:txBody>
-          </p:sp>
-        </p:grpSp>
-        <p:sp>
-          <p:nvSpPr>
-            <p:cNvPr id="44" name="Retângulo 43">
-              <a:extLst>
-                <a:ext uri="{FF2B5EF4-FFF2-40B4-BE49-F238E27FC236}">
-                  <a16:creationId xmlns:a16="http://schemas.microsoft.com/office/drawing/2014/main" id="{EBC7BBBD-0D8D-45AF-8BE6-3A607322549D}"/>
-                </a:ext>
-              </a:extLst>
-            </p:cNvPr>
-            <p:cNvSpPr/>
+            <p:cNvSpPr txBox="1"/>
             <p:nvPr/>
           </p:nvSpPr>
           <p:spPr>
             <a:xfrm>
-              <a:off x="1846555" y="1126919"/>
-              <a:ext cx="2494626" cy="1036038"/>
+              <a:off x="4508005" y="6469074"/>
+              <a:ext cx="585417" cy="276999"/>
             </a:xfrm>
             <a:prstGeom prst="rect">
               <a:avLst/>
             </a:prstGeom>
             <a:noFill/>
-            <a:ln w="28575">
-              <a:solidFill>
-                <a:schemeClr val="tx1"/>
-              </a:solidFill>
-              <a:prstDash val="dash"/>
-            </a:ln>
           </p:spPr>
-          <p:style>
-            <a:lnRef idx="2">
-              <a:schemeClr val="accent1">
-                <a:shade val="50000"/>
-              </a:schemeClr>
-            </a:lnRef>
-            <a:fillRef idx="1">
-              <a:schemeClr val="accent1"/>
-            </a:fillRef>
-            <a:effectRef idx="0">
-              <a:schemeClr val="accent1"/>
-            </a:effectRef>
-            <a:fontRef idx="minor">
-              <a:schemeClr val="lt1"/>
-            </a:fontRef>
-          </p:style>
           <p:txBody>
-            <a:bodyPr rtlCol="0" anchor="ctr"/>
+            <a:bodyPr wrap="none" rtlCol="0">
+              <a:spAutoFit/>
+            </a:bodyPr>
             <a:lstStyle/>
             <a:p>
-              <a:pPr algn="ctr"/>
-              <a:endParaRPr lang="pt-BR"/>
+              <a:r>
+                <a:rPr lang="pt-BR" sz="1200" b="1" dirty="0">
+                  <a:latin typeface="Poppins Medium" panose="00000600000000000000" pitchFamily="2" charset="0"/>
+                  <a:cs typeface="Poppins Medium" panose="00000600000000000000" pitchFamily="2" charset="0"/>
+                </a:rPr>
+                <a:t>HTML</a:t>
+              </a:r>
+              <a:endParaRPr lang="pt-BR" b="1" dirty="0">
+                <a:latin typeface="Poppins Medium" panose="00000600000000000000" pitchFamily="2" charset="0"/>
+                <a:cs typeface="Poppins Medium" panose="00000600000000000000" pitchFamily="2" charset="0"/>
+              </a:endParaRPr>
             </a:p>
           </p:txBody>
         </p:sp>
       </p:grpSp>
       <p:sp>
         <p:nvSpPr>
-          <p:cNvPr id="46" name="Nuvem 45">
-            <a:extLst>
-              <a:ext uri="{FF2B5EF4-FFF2-40B4-BE49-F238E27FC236}">
-                <a16:creationId xmlns:a16="http://schemas.microsoft.com/office/drawing/2014/main" id="{4C95FCE9-D9CF-41A1-B764-40DC338F743F}"/>
+          <p:cNvPr id="44" name="Retângulo 43">
+            <a:extLst>
+              <a:ext uri="{FF2B5EF4-FFF2-40B4-BE49-F238E27FC236}">
+                <a16:creationId xmlns:a16="http://schemas.microsoft.com/office/drawing/2014/main" id="{EBC7BBBD-0D8D-45AF-8BE6-3A607322549D}"/>
               </a:ext>
             </a:extLst>
           </p:cNvPr>
@@ -3833,20 +3702,18 @@
         </p:nvSpPr>
         <p:spPr>
           <a:xfrm>
-            <a:off x="6612350" y="867598"/>
-            <a:ext cx="5098954" cy="2867115"/>
+            <a:off x="1528469" y="1669511"/>
+            <a:ext cx="3312969" cy="1316089"/>
           </a:xfrm>
-          <a:prstGeom prst="cloud">
+          <a:prstGeom prst="rect">
             <a:avLst/>
           </a:prstGeom>
           <a:noFill/>
-          <a:ln w="19050">
+          <a:ln w="28575">
             <a:solidFill>
-              <a:schemeClr val="tx1">
-                <a:lumMod val="95000"/>
-                <a:lumOff val="5000"/>
-              </a:schemeClr>
+              <a:schemeClr val="tx1"/>
             </a:solidFill>
+            <a:prstDash val="dash"/>
           </a:ln>
         </p:spPr>
         <p:style>
@@ -3870,17 +3737,7 @@
           <a:lstStyle/>
           <a:p>
             <a:pPr algn="ctr"/>
-            <a:endParaRPr lang="pt-BR">
-              <a:ln>
-                <a:solidFill>
-                  <a:schemeClr val="tx1">
-                    <a:lumMod val="95000"/>
-                    <a:lumOff val="5000"/>
-                  </a:schemeClr>
-                </a:solidFill>
-              </a:ln>
-              <a:noFill/>
-            </a:endParaRPr>
+            <a:endParaRPr lang="pt-BR"/>
           </a:p>
         </p:txBody>
       </p:sp>
@@ -3898,10 +3755,10 @@
         </p:nvGrpSpPr>
         <p:grpSpPr>
           <a:xfrm>
-            <a:off x="7890527" y="1702128"/>
-            <a:ext cx="2494626" cy="1298733"/>
+            <a:off x="5425510" y="1675650"/>
+            <a:ext cx="2494626" cy="1576601"/>
             <a:chOff x="6246094" y="1160381"/>
-            <a:chExt cx="2494626" cy="1298733"/>
+            <a:chExt cx="2494626" cy="1576601"/>
           </a:xfrm>
         </p:grpSpPr>
         <p:pic>
@@ -3919,11 +3776,11 @@
             <p:nvPr/>
           </p:nvPicPr>
           <p:blipFill>
-            <a:blip r:embed="rId9">
+            <a:blip r:embed="rId8">
               <a:extLst>
                 <a:ext uri="{BEBA8EAE-BF5A-486C-A8C5-ECC9F3942E4B}">
                   <a14:imgProps xmlns:a14="http://schemas.microsoft.com/office/drawing/2010/main">
-                    <a14:imgLayer r:embed="rId10">
+                    <a14:imgLayer r:embed="rId9">
                       <a14:imgEffect>
                         <a14:backgroundRemoval t="7125" b="90000" l="10000" r="90000">
                           <a14:foregroundMark x1="50870" y1="51000" x2="50870" y2="51000"/>
@@ -3973,7 +3830,7 @@
             <p:nvPr/>
           </p:nvPicPr>
           <p:blipFill>
-            <a:blip r:embed="rId11">
+            <a:blip r:embed="rId10">
               <a:extLst>
                 <a:ext uri="{28A0092B-C50C-407E-A947-70E740481C1C}">
                   <a14:useLocalDpi xmlns:a14="http://schemas.microsoft.com/office/drawing/2010/main" val="0"/>
@@ -4008,7 +3865,7 @@
           </p:nvSpPr>
           <p:spPr>
             <a:xfrm>
-              <a:off x="6310962" y="2165420"/>
+              <a:off x="6278478" y="2459983"/>
               <a:ext cx="2429758" cy="276999"/>
             </a:xfrm>
             <a:prstGeom prst="rect">
@@ -4100,7 +3957,7 @@
         </p:nvSpPr>
         <p:spPr>
           <a:xfrm>
-            <a:off x="8957655" y="4019454"/>
+            <a:off x="8957655" y="4065643"/>
             <a:ext cx="2515245" cy="2416783"/>
           </a:xfrm>
           <a:prstGeom prst="rect">
@@ -4154,7 +4011,7 @@
           <p:nvPr/>
         </p:nvPicPr>
         <p:blipFill>
-          <a:blip r:embed="rId12">
+          <a:blip r:embed="rId11">
             <a:extLst>
               <a:ext uri="{28A0092B-C50C-407E-A947-70E740481C1C}">
                 <a14:useLocalDpi xmlns:a14="http://schemas.microsoft.com/office/drawing/2010/main" val="0"/>
@@ -4167,8 +4024,8 @@
         </p:blipFill>
         <p:spPr>
           <a:xfrm>
-            <a:off x="3258288" y="1717653"/>
-            <a:ext cx="2100847" cy="1342208"/>
+            <a:off x="10669704" y="178326"/>
+            <a:ext cx="1492702" cy="953671"/>
           </a:xfrm>
           <a:prstGeom prst="rect">
             <a:avLst/>
@@ -4190,11 +4047,11 @@
           <p:nvPr/>
         </p:nvPicPr>
         <p:blipFill>
-          <a:blip r:embed="rId13">
+          <a:blip r:embed="rId12">
             <a:extLst>
               <a:ext uri="{BEBA8EAE-BF5A-486C-A8C5-ECC9F3942E4B}">
                 <a14:imgProps xmlns:a14="http://schemas.microsoft.com/office/drawing/2010/main">
-                  <a14:imgLayer r:embed="rId14">
+                  <a14:imgLayer r:embed="rId13">
                     <a14:imgEffect>
                       <a14:backgroundRemoval t="7606" b="92254" l="2500" r="98125">
                         <a14:foregroundMark x1="4531" y1="57042" x2="4531" y2="57042"/>
@@ -4235,7 +4092,7 @@
         </p:blipFill>
         <p:spPr>
           <a:xfrm>
-            <a:off x="10316647" y="4087189"/>
+            <a:off x="10316647" y="4133378"/>
             <a:ext cx="1054775" cy="585071"/>
           </a:xfrm>
           <a:prstGeom prst="rect">
@@ -4257,7 +4114,7 @@
         </p:nvGrpSpPr>
         <p:grpSpPr>
           <a:xfrm>
-            <a:off x="6067023" y="5109373"/>
+            <a:off x="6067023" y="5441886"/>
             <a:ext cx="2515245" cy="921259"/>
             <a:chOff x="3992719" y="3795742"/>
             <a:chExt cx="2515245" cy="921259"/>
@@ -4278,7 +4135,7 @@
             <p:nvPr/>
           </p:nvPicPr>
           <p:blipFill>
-            <a:blip r:embed="rId15">
+            <a:blip r:embed="rId14">
               <a:extLst>
                 <a:ext uri="{28A0092B-C50C-407E-A947-70E740481C1C}">
                   <a14:useLocalDpi xmlns:a14="http://schemas.microsoft.com/office/drawing/2010/main" val="0"/>
@@ -4407,8 +4264,8 @@
         </p:nvCxnSpPr>
         <p:spPr>
           <a:xfrm>
-            <a:off x="9847606" y="3506680"/>
-            <a:ext cx="229474" cy="507495"/>
+            <a:off x="8817174" y="2985600"/>
+            <a:ext cx="1013775" cy="1041581"/>
           </a:xfrm>
           <a:prstGeom prst="line">
             <a:avLst/>
@@ -4452,7 +4309,7 @@
         </p:nvSpPr>
         <p:spPr>
           <a:xfrm>
-            <a:off x="206191" y="4019455"/>
+            <a:off x="206191" y="4462796"/>
             <a:ext cx="5388288" cy="1991256"/>
           </a:xfrm>
           <a:prstGeom prst="rect">
@@ -4505,7 +4362,7 @@
         </p:nvGrpSpPr>
         <p:grpSpPr>
           <a:xfrm>
-            <a:off x="-143150" y="4138405"/>
+            <a:off x="-143150" y="4581746"/>
             <a:ext cx="3044323" cy="1809066"/>
             <a:chOff x="7586045" y="3837530"/>
             <a:chExt cx="3044323" cy="1809066"/>
@@ -4526,11 +4383,11 @@
             <p:nvPr/>
           </p:nvPicPr>
           <p:blipFill>
-            <a:blip r:embed="rId16">
+            <a:blip r:embed="rId15">
               <a:extLst>
                 <a:ext uri="{BEBA8EAE-BF5A-486C-A8C5-ECC9F3942E4B}">
                   <a14:imgProps xmlns:a14="http://schemas.microsoft.com/office/drawing/2010/main">
-                    <a14:imgLayer r:embed="rId17">
+                    <a14:imgLayer r:embed="rId16">
                       <a14:imgEffect>
                         <a14:backgroundRemoval t="10000" b="90000" l="10000" r="90000"/>
                       </a14:imgEffect>
@@ -4571,7 +4428,7 @@
             <p:nvPr/>
           </p:nvPicPr>
           <p:blipFill>
-            <a:blip r:embed="rId18">
+            <a:blip r:embed="rId17">
               <a:extLst>
                 <a:ext uri="{28A0092B-C50C-407E-A947-70E740481C1C}">
                   <a14:useLocalDpi xmlns:a14="http://schemas.microsoft.com/office/drawing/2010/main" val="0"/>
@@ -4607,7 +4464,7 @@
         </p:nvSpPr>
         <p:spPr>
           <a:xfrm>
-            <a:off x="2327300" y="3720486"/>
+            <a:off x="2425842" y="4124242"/>
             <a:ext cx="948986" cy="338554"/>
           </a:xfrm>
           <a:prstGeom prst="rect">
@@ -4645,7 +4502,7 @@
         </p:nvGrpSpPr>
         <p:grpSpPr>
           <a:xfrm>
-            <a:off x="2690624" y="4194277"/>
+            <a:off x="2690624" y="4637618"/>
             <a:ext cx="2505334" cy="1318704"/>
             <a:chOff x="3006771" y="4222365"/>
             <a:chExt cx="2505334" cy="1318704"/>
@@ -4686,7 +4543,7 @@
               <p:nvPr/>
             </p:nvPicPr>
             <p:blipFill>
-              <a:blip r:embed="rId19">
+              <a:blip r:embed="rId18">
                 <a:extLst>
                   <a:ext uri="{28A0092B-C50C-407E-A947-70E740481C1C}">
                     <a14:useLocalDpi xmlns:a14="http://schemas.microsoft.com/office/drawing/2010/main" val="0"/>
@@ -4781,7 +4638,7 @@
               <p:nvPr/>
             </p:nvPicPr>
             <p:blipFill>
-              <a:blip r:embed="rId7">
+              <a:blip r:embed="rId6">
                 <a:extLst>
                   <a:ext uri="{28A0092B-C50C-407E-A947-70E740481C1C}">
                     <a14:useLocalDpi xmlns:a14="http://schemas.microsoft.com/office/drawing/2010/main" val="0"/>
@@ -4880,7 +4737,7 @@
               <p:nvPr/>
             </p:nvPicPr>
             <p:blipFill>
-              <a:blip r:embed="rId8">
+              <a:blip r:embed="rId7">
                 <a:extLst>
                   <a:ext uri="{28A0092B-C50C-407E-A947-70E740481C1C}">
                     <a14:useLocalDpi xmlns:a14="http://schemas.microsoft.com/office/drawing/2010/main" val="0"/>
@@ -5014,7 +4871,7 @@
         </p:nvCxnSpPr>
         <p:spPr>
           <a:xfrm flipH="1">
-            <a:off x="692498" y="3144226"/>
+            <a:off x="1051307" y="3592847"/>
             <a:ext cx="529420" cy="869949"/>
           </a:xfrm>
           <a:prstGeom prst="line">
@@ -5060,57 +4917,9 @@
           <p:nvPr/>
         </p:nvCxnSpPr>
         <p:spPr>
-          <a:xfrm flipH="1" flipV="1">
-            <a:off x="8617060" y="5442341"/>
-            <a:ext cx="340595" cy="29340"/>
-          </a:xfrm>
-          <a:prstGeom prst="line">
-            <a:avLst/>
-          </a:prstGeom>
-          <a:ln w="28575">
-            <a:solidFill>
-              <a:schemeClr val="tx1">
-                <a:lumMod val="95000"/>
-                <a:lumOff val="5000"/>
-              </a:schemeClr>
-            </a:solidFill>
-            <a:prstDash val="dash"/>
-          </a:ln>
-        </p:spPr>
-        <p:style>
-          <a:lnRef idx="1">
-            <a:schemeClr val="accent1"/>
-          </a:lnRef>
-          <a:fillRef idx="0">
-            <a:schemeClr val="accent1"/>
-          </a:fillRef>
-          <a:effectRef idx="0">
-            <a:schemeClr val="accent1"/>
-          </a:effectRef>
-          <a:fontRef idx="minor">
-            <a:schemeClr val="tx1"/>
-          </a:fontRef>
-        </p:style>
-      </p:cxnSp>
-      <p:cxnSp>
-        <p:nvCxnSpPr>
-          <p:cNvPr id="102" name="Conector reto 101">
-            <a:extLst>
-              <a:ext uri="{FF2B5EF4-FFF2-40B4-BE49-F238E27FC236}">
-                <a16:creationId xmlns:a16="http://schemas.microsoft.com/office/drawing/2014/main" id="{7B4DE040-275D-4C11-B2EC-AD51C137DA89}"/>
-              </a:ext>
-            </a:extLst>
-          </p:cNvPr>
-          <p:cNvCxnSpPr>
-            <a:cxnSpLocks/>
-            <a:endCxn id="4" idx="0"/>
-          </p:cNvCxnSpPr>
-          <p:nvPr/>
-        </p:nvCxnSpPr>
-        <p:spPr>
           <a:xfrm flipH="1">
-            <a:off x="5778286" y="2252445"/>
-            <a:ext cx="786090" cy="1"/>
+            <a:off x="8610825" y="5774854"/>
+            <a:ext cx="340594" cy="0"/>
           </a:xfrm>
           <a:prstGeom prst="line">
             <a:avLst/>
@@ -5155,7 +4964,7 @@
           <p:nvPr/>
         </p:nvPicPr>
         <p:blipFill>
-          <a:blip r:embed="rId20">
+          <a:blip r:embed="rId19">
             <a:extLst>
               <a:ext uri="{28A0092B-C50C-407E-A947-70E740481C1C}">
                 <a14:useLocalDpi xmlns:a14="http://schemas.microsoft.com/office/drawing/2010/main" val="0"/>
@@ -5190,7 +4999,7 @@
         </p:nvSpPr>
         <p:spPr>
           <a:xfrm>
-            <a:off x="10100160" y="3757950"/>
+            <a:off x="10109461" y="3731264"/>
             <a:ext cx="948986" cy="338554"/>
           </a:xfrm>
           <a:prstGeom prst="rect">
@@ -5266,7 +5075,7 @@
         </p:nvGrpSpPr>
         <p:grpSpPr>
           <a:xfrm>
-            <a:off x="6049299" y="4008285"/>
+            <a:off x="6049299" y="4340798"/>
             <a:ext cx="2515245" cy="961719"/>
             <a:chOff x="3992719" y="3795742"/>
             <a:chExt cx="2515245" cy="961719"/>
@@ -5379,7 +5188,7 @@
           <p:nvPr/>
         </p:nvPicPr>
         <p:blipFill>
-          <a:blip r:embed="rId21">
+          <a:blip r:embed="rId20">
             <a:extLst>
               <a:ext uri="{28A0092B-C50C-407E-A947-70E740481C1C}">
                 <a14:useLocalDpi xmlns:a14="http://schemas.microsoft.com/office/drawing/2010/main" val="0"/>
@@ -5393,7 +5202,7 @@
         </p:blipFill>
         <p:spPr bwMode="auto">
           <a:xfrm>
-            <a:off x="6266207" y="3973215"/>
+            <a:off x="6266207" y="4305728"/>
             <a:ext cx="2114448" cy="865602"/>
           </a:xfrm>
           <a:prstGeom prst="rect">
@@ -5422,13 +5231,12 @@
           </p:cNvPr>
           <p:cNvCxnSpPr>
             <a:cxnSpLocks/>
-            <a:endCxn id="55" idx="1"/>
           </p:cNvCxnSpPr>
           <p:nvPr/>
         </p:nvCxnSpPr>
         <p:spPr>
           <a:xfrm>
-            <a:off x="5594479" y="4459858"/>
+            <a:off x="5594479" y="4744853"/>
             <a:ext cx="454820" cy="0"/>
           </a:xfrm>
           <a:prstGeom prst="line">
@@ -5475,8 +5283,389 @@
         </p:nvCxnSpPr>
         <p:spPr>
           <a:xfrm>
-            <a:off x="8559947" y="4440295"/>
+            <a:off x="8582268" y="4734533"/>
             <a:ext cx="397708" cy="0"/>
+          </a:xfrm>
+          <a:prstGeom prst="line">
+            <a:avLst/>
+          </a:prstGeom>
+          <a:ln w="28575">
+            <a:solidFill>
+              <a:schemeClr val="tx1">
+                <a:lumMod val="95000"/>
+                <a:lumOff val="5000"/>
+              </a:schemeClr>
+            </a:solidFill>
+            <a:prstDash val="dash"/>
+          </a:ln>
+        </p:spPr>
+        <p:style>
+          <a:lnRef idx="1">
+            <a:schemeClr val="accent1"/>
+          </a:lnRef>
+          <a:fillRef idx="0">
+            <a:schemeClr val="accent1"/>
+          </a:fillRef>
+          <a:effectRef idx="0">
+            <a:schemeClr val="accent1"/>
+          </a:effectRef>
+          <a:fontRef idx="minor">
+            <a:schemeClr val="tx1"/>
+          </a:fontRef>
+        </p:style>
+      </p:cxnSp>
+      <p:pic>
+        <p:nvPicPr>
+          <p:cNvPr id="2" name="Picture 2">
+            <a:extLst>
+              <a:ext uri="{FF2B5EF4-FFF2-40B4-BE49-F238E27FC236}">
+                <a16:creationId xmlns:a16="http://schemas.microsoft.com/office/drawing/2014/main" id="{8F63A066-013B-49E1-9796-875440D59251}"/>
+              </a:ext>
+            </a:extLst>
+          </p:cNvPr>
+          <p:cNvPicPr>
+            <a:picLocks noChangeAspect="1" noChangeArrowheads="1"/>
+          </p:cNvPicPr>
+          <p:nvPr/>
+        </p:nvPicPr>
+        <p:blipFill>
+          <a:blip r:embed="rId21">
+            <a:extLst>
+              <a:ext uri="{28A0092B-C50C-407E-A947-70E740481C1C}">
+                <a14:useLocalDpi xmlns:a14="http://schemas.microsoft.com/office/drawing/2010/main" val="0"/>
+              </a:ext>
+            </a:extLst>
+          </a:blip>
+          <a:srcRect/>
+          <a:stretch>
+            <a:fillRect/>
+          </a:stretch>
+        </p:blipFill>
+        <p:spPr bwMode="auto">
+          <a:xfrm>
+            <a:off x="4124688" y="2073667"/>
+            <a:ext cx="566735" cy="566735"/>
+          </a:xfrm>
+          <a:prstGeom prst="rect">
+            <a:avLst/>
+          </a:prstGeom>
+          <a:noFill/>
+          <a:extLst>
+            <a:ext uri="{909E8E84-426E-40DD-AFC4-6F175D3DCCD1}">
+              <a14:hiddenFill xmlns:a14="http://schemas.microsoft.com/office/drawing/2010/main">
+                <a:solidFill>
+                  <a:srgbClr val="FFFFFF"/>
+                </a:solidFill>
+              </a14:hiddenFill>
+            </a:ext>
+          </a:extLst>
+        </p:spPr>
+      </p:pic>
+      <p:sp>
+        <p:nvSpPr>
+          <p:cNvPr id="60" name="CaixaDeTexto 59">
+            <a:extLst>
+              <a:ext uri="{FF2B5EF4-FFF2-40B4-BE49-F238E27FC236}">
+                <a16:creationId xmlns:a16="http://schemas.microsoft.com/office/drawing/2014/main" id="{5B51F10B-7510-458A-BE16-D03DB9A3DCF4}"/>
+              </a:ext>
+            </a:extLst>
+          </p:cNvPr>
+          <p:cNvSpPr txBox="1"/>
+          <p:nvPr/>
+        </p:nvSpPr>
+        <p:spPr>
+          <a:xfrm>
+            <a:off x="4015264" y="2613809"/>
+            <a:ext cx="795411" cy="276999"/>
+          </a:xfrm>
+          <a:prstGeom prst="rect">
+            <a:avLst/>
+          </a:prstGeom>
+          <a:noFill/>
+        </p:spPr>
+        <p:txBody>
+          <a:bodyPr wrap="none" rtlCol="0">
+            <a:spAutoFit/>
+          </a:bodyPr>
+          <a:lstStyle/>
+          <a:p>
+            <a:r>
+              <a:rPr lang="pt-BR" sz="1200" b="1" dirty="0">
+                <a:latin typeface="Poppins Medium" panose="00000600000000000000" pitchFamily="2" charset="0"/>
+                <a:cs typeface="Poppins Medium" panose="00000600000000000000" pitchFamily="2" charset="0"/>
+              </a:rPr>
+              <a:t>PYTHON</a:t>
+            </a:r>
+            <a:endParaRPr lang="pt-BR" b="1" dirty="0">
+              <a:latin typeface="Poppins Medium" panose="00000600000000000000" pitchFamily="2" charset="0"/>
+              <a:cs typeface="Poppins Medium" panose="00000600000000000000" pitchFamily="2" charset="0"/>
+            </a:endParaRPr>
+          </a:p>
+        </p:txBody>
+      </p:sp>
+      <p:sp>
+        <p:nvSpPr>
+          <p:cNvPr id="61" name="CaixaDeTexto 60">
+            <a:extLst>
+              <a:ext uri="{FF2B5EF4-FFF2-40B4-BE49-F238E27FC236}">
+                <a16:creationId xmlns:a16="http://schemas.microsoft.com/office/drawing/2014/main" id="{F601005E-9A02-4449-80EE-3F27FBD554FA}"/>
+              </a:ext>
+            </a:extLst>
+          </p:cNvPr>
+          <p:cNvSpPr txBox="1"/>
+          <p:nvPr/>
+        </p:nvSpPr>
+        <p:spPr>
+          <a:xfrm>
+            <a:off x="2069384" y="2985665"/>
+            <a:ext cx="2098651" cy="276999"/>
+          </a:xfrm>
+          <a:prstGeom prst="rect">
+            <a:avLst/>
+          </a:prstGeom>
+          <a:noFill/>
+        </p:spPr>
+        <p:txBody>
+          <a:bodyPr wrap="none" rtlCol="0">
+            <a:spAutoFit/>
+          </a:bodyPr>
+          <a:lstStyle/>
+          <a:p>
+            <a:r>
+              <a:rPr lang="pt-BR" sz="1200" b="1" dirty="0">
+                <a:latin typeface="Poppins Medium" panose="00000600000000000000" pitchFamily="2" charset="0"/>
+                <a:cs typeface="Poppins Medium" panose="00000600000000000000" pitchFamily="2" charset="0"/>
+              </a:rPr>
+              <a:t>VIRTUAL MACHINE AZURE</a:t>
+            </a:r>
+            <a:endParaRPr lang="pt-BR" b="1" dirty="0">
+              <a:latin typeface="Poppins Medium" panose="00000600000000000000" pitchFamily="2" charset="0"/>
+              <a:cs typeface="Poppins Medium" panose="00000600000000000000" pitchFamily="2" charset="0"/>
+            </a:endParaRPr>
+          </a:p>
+        </p:txBody>
+      </p:sp>
+      <p:pic>
+        <p:nvPicPr>
+          <p:cNvPr id="62" name="Imagem 61" descr="Logotipo&#10;&#10;Descrição gerada automaticamente com confiança média">
+            <a:extLst>
+              <a:ext uri="{FF2B5EF4-FFF2-40B4-BE49-F238E27FC236}">
+                <a16:creationId xmlns:a16="http://schemas.microsoft.com/office/drawing/2014/main" id="{FFD70A62-EB53-44C7-BE4F-D17220B2AD48}"/>
+              </a:ext>
+            </a:extLst>
+          </p:cNvPr>
+          <p:cNvPicPr>
+            <a:picLocks noChangeAspect="1"/>
+          </p:cNvPicPr>
+          <p:nvPr/>
+        </p:nvPicPr>
+        <p:blipFill>
+          <a:blip r:embed="rId22">
+            <a:extLst>
+              <a:ext uri="{28A0092B-C50C-407E-A947-70E740481C1C}">
+                <a14:useLocalDpi xmlns:a14="http://schemas.microsoft.com/office/drawing/2010/main" val="0"/>
+              </a:ext>
+            </a:extLst>
+          </a:blip>
+          <a:stretch>
+            <a:fillRect/>
+          </a:stretch>
+        </p:blipFill>
+        <p:spPr>
+          <a:xfrm>
+            <a:off x="4227988" y="1126414"/>
+            <a:ext cx="1273575" cy="368275"/>
+          </a:xfrm>
+          <a:prstGeom prst="rect">
+            <a:avLst/>
+          </a:prstGeom>
+        </p:spPr>
+      </p:pic>
+      <p:pic>
+        <p:nvPicPr>
+          <p:cNvPr id="1028" name="Picture 4" descr="Docker e Containers. Muitos desenvolvedores sabem o quanto o… | by Marcio H  | Tecnologia e afins | Medium">
+            <a:extLst>
+              <a:ext uri="{FF2B5EF4-FFF2-40B4-BE49-F238E27FC236}">
+                <a16:creationId xmlns:a16="http://schemas.microsoft.com/office/drawing/2014/main" id="{E955A0AE-84D1-4579-8AC3-2AEA445AD4B6}"/>
+              </a:ext>
+            </a:extLst>
+          </p:cNvPr>
+          <p:cNvPicPr>
+            <a:picLocks noChangeAspect="1" noChangeArrowheads="1"/>
+          </p:cNvPicPr>
+          <p:nvPr/>
+        </p:nvPicPr>
+        <p:blipFill>
+          <a:blip r:embed="rId23">
+            <a:extLst>
+              <a:ext uri="{28A0092B-C50C-407E-A947-70E740481C1C}">
+                <a14:useLocalDpi xmlns:a14="http://schemas.microsoft.com/office/drawing/2010/main" val="0"/>
+              </a:ext>
+            </a:extLst>
+          </a:blip>
+          <a:srcRect/>
+          <a:stretch>
+            <a:fillRect/>
+          </a:stretch>
+        </p:blipFill>
+        <p:spPr bwMode="auto">
+          <a:xfrm>
+            <a:off x="10119884" y="617664"/>
+            <a:ext cx="1004604" cy="858099"/>
+          </a:xfrm>
+          <a:prstGeom prst="rect">
+            <a:avLst/>
+          </a:prstGeom>
+          <a:noFill/>
+          <a:extLst>
+            <a:ext uri="{909E8E84-426E-40DD-AFC4-6F175D3DCCD1}">
+              <a14:hiddenFill xmlns:a14="http://schemas.microsoft.com/office/drawing/2010/main">
+                <a:solidFill>
+                  <a:srgbClr val="FFFFFF"/>
+                </a:solidFill>
+              </a14:hiddenFill>
+            </a:ext>
+          </a:extLst>
+        </p:spPr>
+      </p:pic>
+      <p:sp>
+        <p:nvSpPr>
+          <p:cNvPr id="63" name="Nuvem 62">
+            <a:extLst>
+              <a:ext uri="{FF2B5EF4-FFF2-40B4-BE49-F238E27FC236}">
+                <a16:creationId xmlns:a16="http://schemas.microsoft.com/office/drawing/2014/main" id="{716C00E1-554D-4FD4-8733-00F568E286D6}"/>
+              </a:ext>
+            </a:extLst>
+          </p:cNvPr>
+          <p:cNvSpPr/>
+          <p:nvPr/>
+        </p:nvSpPr>
+        <p:spPr>
+          <a:xfrm>
+            <a:off x="9170606" y="203749"/>
+            <a:ext cx="2826697" cy="1537018"/>
+          </a:xfrm>
+          <a:prstGeom prst="cloud">
+            <a:avLst/>
+          </a:prstGeom>
+          <a:noFill/>
+          <a:ln w="19050">
+            <a:solidFill>
+              <a:schemeClr val="tx1">
+                <a:lumMod val="95000"/>
+                <a:lumOff val="5000"/>
+              </a:schemeClr>
+            </a:solidFill>
+          </a:ln>
+        </p:spPr>
+        <p:style>
+          <a:lnRef idx="2">
+            <a:schemeClr val="accent1">
+              <a:shade val="50000"/>
+            </a:schemeClr>
+          </a:lnRef>
+          <a:fillRef idx="1">
+            <a:schemeClr val="accent1"/>
+          </a:fillRef>
+          <a:effectRef idx="0">
+            <a:schemeClr val="accent1"/>
+          </a:effectRef>
+          <a:fontRef idx="minor">
+            <a:schemeClr val="lt1"/>
+          </a:fontRef>
+        </p:style>
+        <p:txBody>
+          <a:bodyPr rtlCol="0" anchor="ctr"/>
+          <a:lstStyle/>
+          <a:p>
+            <a:pPr algn="ctr"/>
+            <a:endParaRPr lang="pt-BR">
+              <a:ln>
+                <a:solidFill>
+                  <a:schemeClr val="tx1">
+                    <a:lumMod val="95000"/>
+                    <a:lumOff val="5000"/>
+                  </a:schemeClr>
+                </a:solidFill>
+              </a:ln>
+              <a:noFill/>
+            </a:endParaRPr>
+          </a:p>
+        </p:txBody>
+      </p:sp>
+      <p:sp>
+        <p:nvSpPr>
+          <p:cNvPr id="65" name="Retângulo 64">
+            <a:extLst>
+              <a:ext uri="{FF2B5EF4-FFF2-40B4-BE49-F238E27FC236}">
+                <a16:creationId xmlns:a16="http://schemas.microsoft.com/office/drawing/2014/main" id="{5C453170-1681-48BC-96E6-A19692942425}"/>
+              </a:ext>
+            </a:extLst>
+          </p:cNvPr>
+          <p:cNvSpPr/>
+          <p:nvPr/>
+        </p:nvSpPr>
+        <p:spPr>
+          <a:xfrm>
+            <a:off x="10146815" y="642390"/>
+            <a:ext cx="922347" cy="847881"/>
+          </a:xfrm>
+          <a:prstGeom prst="rect">
+            <a:avLst/>
+          </a:prstGeom>
+          <a:noFill/>
+          <a:ln w="28575">
+            <a:solidFill>
+              <a:schemeClr val="tx1"/>
+            </a:solidFill>
+            <a:prstDash val="dash"/>
+          </a:ln>
+        </p:spPr>
+        <p:style>
+          <a:lnRef idx="2">
+            <a:schemeClr val="accent1">
+              <a:shade val="50000"/>
+            </a:schemeClr>
+          </a:lnRef>
+          <a:fillRef idx="1">
+            <a:schemeClr val="accent1"/>
+          </a:fillRef>
+          <a:effectRef idx="0">
+            <a:schemeClr val="accent1"/>
+          </a:effectRef>
+          <a:fontRef idx="minor">
+            <a:schemeClr val="lt1"/>
+          </a:fontRef>
+        </p:style>
+        <p:txBody>
+          <a:bodyPr rtlCol="0" anchor="ctr"/>
+          <a:lstStyle/>
+          <a:p>
+            <a:pPr algn="ctr"/>
+            <a:endParaRPr lang="pt-BR"/>
+          </a:p>
+        </p:txBody>
+      </p:sp>
+      <p:cxnSp>
+        <p:nvCxnSpPr>
+          <p:cNvPr id="69" name="Conector reto 68">
+            <a:extLst>
+              <a:ext uri="{FF2B5EF4-FFF2-40B4-BE49-F238E27FC236}">
+                <a16:creationId xmlns:a16="http://schemas.microsoft.com/office/drawing/2014/main" id="{B095C08D-6207-4D95-8245-8BB2ED63A6CF}"/>
+              </a:ext>
+            </a:extLst>
+          </p:cNvPr>
+          <p:cNvCxnSpPr>
+            <a:cxnSpLocks/>
+            <a:stCxn id="4" idx="0"/>
+            <a:endCxn id="63" idx="1"/>
+          </p:cNvCxnSpPr>
+          <p:nvPr/>
+        </p:nvCxnSpPr>
+        <p:spPr>
+          <a:xfrm flipV="1">
+            <a:off x="9324773" y="1739130"/>
+            <a:ext cx="1259182" cy="661943"/>
           </a:xfrm>
           <a:prstGeom prst="line">
             <a:avLst/>
